--- a/MidProjectReview_Meynier_Quinlan.pptx
+++ b/MidProjectReview_Meynier_Quinlan.pptx
@@ -5,10 +5,10 @@
     <p:sldMasterId id="2147483661" r:id="rId1"/>
   </p:sldMasterIdLst>
   <p:notesMasterIdLst>
-    <p:notesMasterId r:id="rId12"/>
+    <p:notesMasterId r:id="rId13"/>
   </p:notesMasterIdLst>
   <p:handoutMasterIdLst>
-    <p:handoutMasterId r:id="rId13"/>
+    <p:handoutMasterId r:id="rId14"/>
   </p:handoutMasterIdLst>
   <p:sldIdLst>
     <p:sldId id="256" r:id="rId2"/>
@@ -20,7 +20,8 @@
     <p:sldId id="308" r:id="rId8"/>
     <p:sldId id="309" r:id="rId9"/>
     <p:sldId id="310" r:id="rId10"/>
-    <p:sldId id="311" r:id="rId11"/>
+    <p:sldId id="312" r:id="rId11"/>
+    <p:sldId id="311" r:id="rId12"/>
   </p:sldIdLst>
   <p:sldSz cx="9144000" cy="6858000" type="letter"/>
   <p:notesSz cx="7150100" cy="9448800"/>
@@ -151,7 +152,7 @@
   </p:defaultTextStyle>
   <p:extLst>
     <p:ext uri="{EFAFB233-063F-42B5-8137-9DF3F51BA10A}">
-      <p15:sldGuideLst xmlns:p15="http://schemas.microsoft.com/office/powerpoint/2012/main" xmlns="">
+      <p15:sldGuideLst xmlns="" xmlns:p15="http://schemas.microsoft.com/office/powerpoint/2012/main">
         <p15:guide id="1" orient="horz" pos="2160">
           <p15:clr>
             <a:srgbClr val="A4A3A4"/>
@@ -1679,7 +1680,7 @@
             <a:fld id="{A4CF59B4-C22D-4B62-B3A6-9B1E50DB6F3C}" type="datetime1">
               <a:rPr lang="en-US"/>
               <a:pPr/>
-              <a:t>11/4/2018</a:t>
+              <a:t>11/6/2018</a:t>
             </a:fld>
             <a:endParaRPr lang="en-US"/>
           </a:p>
@@ -4772,7 +4773,7 @@
             <a:fld id="{EDABE364-E483-4357-8A41-16B58DB2F385}" type="datetime1">
               <a:rPr lang="en-US"/>
               <a:pPr/>
-              <a:t>11/4/2018</a:t>
+              <a:t>11/6/2018</a:t>
             </a:fld>
             <a:endParaRPr lang="en-US"/>
           </a:p>
@@ -4834,7 +4835,7 @@
           <p:cNvPr id="2" name="TextBox 1">
             <a:extLst>
               <a:ext uri="{FF2B5EF4-FFF2-40B4-BE49-F238E27FC236}">
-                <a16:creationId xmlns:a16="http://schemas.microsoft.com/office/drawing/2014/main" xmlns="" id="{BAD8E337-376B-40F0-BCF8-6039FC28B1B8}"/>
+                <a16:creationId xmlns="" xmlns:a16="http://schemas.microsoft.com/office/drawing/2014/main" id="{BAD8E337-376B-40F0-BCF8-6039FC28B1B8}"/>
               </a:ext>
             </a:extLst>
           </p:cNvPr>
@@ -4912,10 +4913,332 @@
       </p:grpSpPr>
       <p:sp>
         <p:nvSpPr>
+          <p:cNvPr id="2" name="Title 1"/>
+          <p:cNvSpPr>
+            <a:spLocks noGrp="1"/>
+          </p:cNvSpPr>
+          <p:nvPr>
+            <p:ph type="title"/>
+          </p:nvPr>
+        </p:nvSpPr>
+        <p:spPr/>
+        <p:txBody>
+          <a:bodyPr/>
+          <a:lstStyle/>
+          <a:p>
+            <a:r>
+              <a:rPr lang="en-US" dirty="0" smtClean="0"/>
+              <a:t>LDPC Algorithm Example</a:t>
+            </a:r>
+            <a:endParaRPr lang="en-US" dirty="0"/>
+          </a:p>
+        </p:txBody>
+      </p:sp>
+      <p:pic>
+        <p:nvPicPr>
+          <p:cNvPr id="1026" name="Picture 2"/>
+          <p:cNvPicPr>
+            <a:picLocks noGrp="1" noChangeAspect="1" noChangeArrowheads="1"/>
+          </p:cNvPicPr>
+          <p:nvPr>
+            <p:ph idx="1"/>
+          </p:nvPr>
+        </p:nvPicPr>
+        <p:blipFill>
+          <a:blip r:embed="rId2">
+            <a:extLst>
+              <a:ext uri="{28A0092B-C50C-407E-A947-70E740481C1C}">
+                <a14:useLocalDpi xmlns:a14="http://schemas.microsoft.com/office/drawing/2010/main" val="0"/>
+              </a:ext>
+            </a:extLst>
+          </a:blip>
+          <a:srcRect/>
+          <a:stretch>
+            <a:fillRect/>
+          </a:stretch>
+        </p:blipFill>
+        <p:spPr bwMode="auto">
+          <a:xfrm>
+            <a:off x="2971800" y="1752600"/>
+            <a:ext cx="3119786" cy="4535488"/>
+          </a:xfrm>
+          <a:prstGeom prst="rect">
+            <a:avLst/>
+          </a:prstGeom>
+          <a:noFill/>
+          <a:ln>
+            <a:noFill/>
+          </a:ln>
+          <a:extLst>
+            <a:ext uri="{909E8E84-426E-40DD-AFC4-6F175D3DCCD1}">
+              <a14:hiddenFill xmlns:a14="http://schemas.microsoft.com/office/drawing/2010/main">
+                <a:solidFill>
+                  <a:schemeClr val="accent1"/>
+                </a:solidFill>
+              </a14:hiddenFill>
+            </a:ext>
+            <a:ext uri="{91240B29-F687-4F45-9708-019B960494DF}">
+              <a14:hiddenLine xmlns:a14="http://schemas.microsoft.com/office/drawing/2010/main" w="9525">
+                <a:solidFill>
+                  <a:schemeClr val="tx1"/>
+                </a:solidFill>
+                <a:miter lim="800000"/>
+                <a:headEnd/>
+                <a:tailEnd/>
+              </a14:hiddenLine>
+            </a:ext>
+          </a:extLst>
+        </p:spPr>
+      </p:pic>
+      <p:sp>
+        <p:nvSpPr>
+          <p:cNvPr id="4" name="TextBox 3"/>
+          <p:cNvSpPr txBox="1"/>
+          <p:nvPr/>
+        </p:nvSpPr>
+        <p:spPr>
+          <a:xfrm>
+            <a:off x="838200" y="2438400"/>
+            <a:ext cx="2209800" cy="830997"/>
+          </a:xfrm>
+          <a:prstGeom prst="rect">
+            <a:avLst/>
+          </a:prstGeom>
+          <a:noFill/>
+        </p:spPr>
+        <p:txBody>
+          <a:bodyPr wrap="square" rtlCol="0">
+            <a:spAutoFit/>
+          </a:bodyPr>
+          <a:lstStyle/>
+          <a:p>
+            <a:r>
+              <a:rPr lang="en-US" dirty="0" smtClean="0"/>
+              <a:t>Variable nodes (bits)</a:t>
+            </a:r>
+            <a:endParaRPr lang="en-US" dirty="0"/>
+          </a:p>
+        </p:txBody>
+      </p:sp>
+      <p:sp>
+        <p:nvSpPr>
+          <p:cNvPr id="6" name="TextBox 5"/>
+          <p:cNvSpPr txBox="1"/>
+          <p:nvPr/>
+        </p:nvSpPr>
+        <p:spPr>
+          <a:xfrm>
+            <a:off x="6248400" y="3124200"/>
+            <a:ext cx="1905000" cy="461665"/>
+          </a:xfrm>
+          <a:prstGeom prst="rect">
+            <a:avLst/>
+          </a:prstGeom>
+          <a:noFill/>
+        </p:spPr>
+        <p:txBody>
+          <a:bodyPr wrap="square" rtlCol="0">
+            <a:spAutoFit/>
+          </a:bodyPr>
+          <a:lstStyle/>
+          <a:p>
+            <a:r>
+              <a:rPr lang="en-US" dirty="0" smtClean="0"/>
+              <a:t>Check nodes</a:t>
+            </a:r>
+            <a:endParaRPr lang="en-US" dirty="0"/>
+          </a:p>
+        </p:txBody>
+      </p:sp>
+      <p:sp>
+        <p:nvSpPr>
+          <p:cNvPr id="5" name="TextBox 4"/>
+          <p:cNvSpPr txBox="1"/>
+          <p:nvPr/>
+        </p:nvSpPr>
+        <p:spPr>
+          <a:xfrm>
+            <a:off x="5257800" y="1905000"/>
+            <a:ext cx="1600200" cy="461665"/>
+          </a:xfrm>
+          <a:prstGeom prst="rect">
+            <a:avLst/>
+          </a:prstGeom>
+          <a:noFill/>
+        </p:spPr>
+        <p:txBody>
+          <a:bodyPr wrap="square" rtlCol="0">
+            <a:spAutoFit/>
+          </a:bodyPr>
+          <a:lstStyle/>
+          <a:p>
+            <a:r>
+              <a:rPr lang="en-US" dirty="0" smtClean="0"/>
+              <a:t>Parity</a:t>
+            </a:r>
+          </a:p>
+        </p:txBody>
+      </p:sp>
+      <p:cxnSp>
+        <p:nvCxnSpPr>
+          <p:cNvPr id="8" name="Straight Arrow Connector 7"/>
+          <p:cNvCxnSpPr/>
+          <p:nvPr/>
+        </p:nvCxnSpPr>
+        <p:spPr bwMode="auto">
+          <a:xfrm>
+            <a:off x="5638800" y="2366665"/>
+            <a:ext cx="76200" cy="681335"/>
+          </a:xfrm>
+          <a:prstGeom prst="straightConnector1">
+            <a:avLst/>
+          </a:prstGeom>
+          <a:solidFill>
+            <a:schemeClr val="accent1"/>
+          </a:solidFill>
+          <a:ln w="25400" cap="flat" cmpd="sng" algn="ctr">
+            <a:solidFill>
+              <a:srgbClr val="CC0000"/>
+            </a:solidFill>
+            <a:prstDash val="solid"/>
+            <a:miter lim="800000"/>
+            <a:headEnd type="none" w="med" len="med"/>
+            <a:tailEnd type="arrow"/>
+          </a:ln>
+          <a:effectLst/>
+          <a:extLst>
+            <a:ext uri="{AF507438-7753-43E0-B8FC-AC1667EBCBE1}">
+              <a14:hiddenEffects xmlns:a14="http://schemas.microsoft.com/office/drawing/2010/main">
+                <a:effectLst>
+                  <a:outerShdw dist="35921" dir="2700000" algn="ctr" rotWithShape="0">
+                    <a:schemeClr val="bg2"/>
+                  </a:outerShdw>
+                </a:effectLst>
+              </a14:hiddenEffects>
+            </a:ext>
+          </a:extLst>
+        </p:spPr>
+      </p:cxnSp>
+      <p:sp>
+        <p:nvSpPr>
+          <p:cNvPr id="9" name="TextBox 8"/>
+          <p:cNvSpPr txBox="1"/>
+          <p:nvPr/>
+        </p:nvSpPr>
+        <p:spPr>
+          <a:xfrm>
+            <a:off x="381000" y="4343400"/>
+            <a:ext cx="2667000" cy="2308324"/>
+          </a:xfrm>
+          <a:prstGeom prst="rect">
+            <a:avLst/>
+          </a:prstGeom>
+          <a:noFill/>
+        </p:spPr>
+        <p:txBody>
+          <a:bodyPr wrap="square" rtlCol="0">
+            <a:spAutoFit/>
+          </a:bodyPr>
+          <a:lstStyle/>
+          <a:p>
+            <a:pPr marL="342900" indent="-342900">
+              <a:buFont typeface="Arial" panose="020B0604020202020204" pitchFamily="34" charset="0"/>
+              <a:buChar char="•"/>
+            </a:pPr>
+            <a:r>
+              <a:rPr lang="en-US" sz="1600" dirty="0" smtClean="0"/>
+              <a:t>Accumulate known bits</a:t>
+            </a:r>
+          </a:p>
+          <a:p>
+            <a:pPr marL="342900" indent="-342900">
+              <a:buFont typeface="Arial" panose="020B0604020202020204" pitchFamily="34" charset="0"/>
+              <a:buChar char="•"/>
+            </a:pPr>
+            <a:r>
+              <a:rPr lang="en-US" sz="1600" dirty="0" smtClean="0"/>
+              <a:t>Delete known edges, nodes</a:t>
+            </a:r>
+          </a:p>
+          <a:p>
+            <a:pPr marL="342900" indent="-342900">
+              <a:buFont typeface="Arial" panose="020B0604020202020204" pitchFamily="34" charset="0"/>
+              <a:buChar char="•"/>
+            </a:pPr>
+            <a:r>
+              <a:rPr lang="en-US" sz="1600" dirty="0" smtClean="0"/>
+              <a:t>Find degree-1 check node, forward parity</a:t>
+            </a:r>
+          </a:p>
+          <a:p>
+            <a:pPr marL="342900" indent="-342900">
+              <a:buFont typeface="Arial" panose="020B0604020202020204" pitchFamily="34" charset="0"/>
+              <a:buChar char="•"/>
+            </a:pPr>
+            <a:r>
+              <a:rPr lang="en-US" sz="1600" dirty="0" smtClean="0"/>
+              <a:t>Delete check node, edge</a:t>
+            </a:r>
+          </a:p>
+          <a:p>
+            <a:pPr marL="342900" indent="-342900">
+              <a:buFont typeface="Arial" panose="020B0604020202020204" pitchFamily="34" charset="0"/>
+              <a:buChar char="•"/>
+            </a:pPr>
+            <a:r>
+              <a:rPr lang="en-US" sz="1600" dirty="0" smtClean="0"/>
+              <a:t>Forward new bit value</a:t>
+            </a:r>
+          </a:p>
+          <a:p>
+            <a:pPr marL="342900" indent="-342900">
+              <a:buFont typeface="Arial" panose="020B0604020202020204" pitchFamily="34" charset="0"/>
+              <a:buChar char="•"/>
+            </a:pPr>
+            <a:r>
+              <a:rPr lang="en-US" sz="1600" dirty="0" smtClean="0"/>
+              <a:t>Repeat</a:t>
+            </a:r>
+            <a:endParaRPr lang="en-US" sz="1600" dirty="0"/>
+          </a:p>
+        </p:txBody>
+      </p:sp>
+    </p:spTree>
+    <p:extLst>
+      <p:ext uri="{BB962C8B-B14F-4D97-AF65-F5344CB8AC3E}">
+        <p14:creationId xmlns:p14="http://schemas.microsoft.com/office/powerpoint/2010/main" val="4098028956"/>
+      </p:ext>
+    </p:extLst>
+  </p:cSld>
+  <p:clrMapOvr>
+    <a:masterClrMapping/>
+  </p:clrMapOvr>
+</p:sld>
+</file>
+
+<file path=ppt/slides/slide11.xml><?xml version="1.0" encoding="utf-8"?>
+<p:sld xmlns:a="http://schemas.openxmlformats.org/drawingml/2006/main" xmlns:r="http://schemas.openxmlformats.org/officeDocument/2006/relationships" xmlns:p="http://schemas.openxmlformats.org/presentationml/2006/main">
+  <p:cSld>
+    <p:spTree>
+      <p:nvGrpSpPr>
+        <p:cNvPr id="1" name=""/>
+        <p:cNvGrpSpPr/>
+        <p:nvPr/>
+      </p:nvGrpSpPr>
+      <p:grpSpPr>
+        <a:xfrm>
+          <a:off x="0" y="0"/>
+          <a:ext cx="0" cy="0"/>
+          <a:chOff x="0" y="0"/>
+          <a:chExt cx="0" cy="0"/>
+        </a:xfrm>
+      </p:grpSpPr>
+      <p:sp>
+        <p:nvSpPr>
           <p:cNvPr id="2" name="Title 1">
             <a:extLst>
               <a:ext uri="{FF2B5EF4-FFF2-40B4-BE49-F238E27FC236}">
-                <a16:creationId xmlns:a16="http://schemas.microsoft.com/office/drawing/2014/main" xmlns="" id="{F3E5901B-5854-4AFF-A199-0918CFB41A0A}"/>
+                <a16:creationId xmlns="" xmlns:a16="http://schemas.microsoft.com/office/drawing/2014/main" id="{F3E5901B-5854-4AFF-A199-0918CFB41A0A}"/>
               </a:ext>
             </a:extLst>
           </p:cNvPr>
@@ -4943,7 +5266,7 @@
           <p:cNvPr id="3" name="Content Placeholder 2">
             <a:extLst>
               <a:ext uri="{FF2B5EF4-FFF2-40B4-BE49-F238E27FC236}">
-                <a16:creationId xmlns:a16="http://schemas.microsoft.com/office/drawing/2014/main" xmlns="" id="{39EED756-37A5-4FB5-B271-BB7C39F2B5A0}"/>
+                <a16:creationId xmlns="" xmlns:a16="http://schemas.microsoft.com/office/drawing/2014/main" id="{39EED756-37A5-4FB5-B271-BB7C39F2B5A0}"/>
               </a:ext>
             </a:extLst>
           </p:cNvPr>
@@ -4966,13 +5289,11 @@
           <a:p>
             <a:r>
               <a:rPr lang="en-US" sz="2000" dirty="0" smtClean="0"/>
-              <a:t>Initial LDPC encoding occurs on bits before mapping</a:t>
-            </a:r>
-          </a:p>
-          <a:p>
+              <a:t>Error </a:t>
+            </a:r>
             <a:r>
               <a:rPr lang="en-US" sz="2000" dirty="0" smtClean="0"/>
-              <a:t>Error correction with LDPC occurs following demodulation and prior to detection</a:t>
+              <a:t>correction with LDPC occurs following demodulation and prior to detection</a:t>
             </a:r>
           </a:p>
           <a:p>
@@ -5003,7 +5324,7 @@
         </p:blipFill>
         <p:spPr bwMode="auto">
           <a:xfrm>
-            <a:off x="838200" y="2819400"/>
+            <a:off x="2769107" y="2844325"/>
             <a:ext cx="3857543" cy="3626963"/>
           </a:xfrm>
           <a:prstGeom prst="rect">
@@ -5052,7 +5373,7 @@
         </p:nvCxnSpPr>
         <p:spPr bwMode="auto">
           <a:xfrm flipH="1">
-            <a:off x="2209800" y="4191000"/>
+            <a:off x="5486400" y="4515971"/>
             <a:ext cx="152400" cy="533400"/>
           </a:xfrm>
           <a:prstGeom prst="straightConnector1">
@@ -5084,70 +5405,6 @@
           </a:extLst>
         </p:spPr>
       </p:cxnSp>
-      <p:pic>
-        <p:nvPicPr>
-          <p:cNvPr id="3077" name="Picture 5"/>
-          <p:cNvPicPr>
-            <a:picLocks noChangeAspect="1" noChangeArrowheads="1"/>
-          </p:cNvPicPr>
-          <p:nvPr/>
-        </p:nvPicPr>
-        <p:blipFill>
-          <a:blip r:embed="rId3">
-            <a:extLst>
-              <a:ext uri="{28A0092B-C50C-407E-A947-70E740481C1C}">
-                <a14:useLocalDpi xmlns:a14="http://schemas.microsoft.com/office/drawing/2010/main" val="0"/>
-              </a:ext>
-            </a:extLst>
-          </a:blip>
-          <a:srcRect/>
-          <a:stretch>
-            <a:fillRect/>
-          </a:stretch>
-        </p:blipFill>
-        <p:spPr bwMode="auto">
-          <a:xfrm>
-            <a:off x="6019800" y="2823882"/>
-            <a:ext cx="2018451" cy="3542506"/>
-          </a:xfrm>
-          <a:prstGeom prst="rect">
-            <a:avLst/>
-          </a:prstGeom>
-          <a:noFill/>
-          <a:ln>
-            <a:noFill/>
-          </a:ln>
-          <a:effectLst/>
-          <a:extLst>
-            <a:ext uri="{909E8E84-426E-40DD-AFC4-6F175D3DCCD1}">
-              <a14:hiddenFill xmlns:a14="http://schemas.microsoft.com/office/drawing/2010/main">
-                <a:solidFill>
-                  <a:schemeClr val="accent1"/>
-                </a:solidFill>
-              </a14:hiddenFill>
-            </a:ext>
-            <a:ext uri="{91240B29-F687-4F45-9708-019B960494DF}">
-              <a14:hiddenLine xmlns:a14="http://schemas.microsoft.com/office/drawing/2010/main" w="9525">
-                <a:solidFill>
-                  <a:schemeClr val="tx1"/>
-                </a:solidFill>
-                <a:miter lim="800000"/>
-                <a:headEnd/>
-                <a:tailEnd/>
-              </a14:hiddenLine>
-            </a:ext>
-            <a:ext uri="{AF507438-7753-43E0-B8FC-AC1667EBCBE1}">
-              <a14:hiddenEffects xmlns:a14="http://schemas.microsoft.com/office/drawing/2010/main">
-                <a:effectLst>
-                  <a:outerShdw dist="35921" dir="2700000" algn="ctr" rotWithShape="0">
-                    <a:schemeClr val="bg2"/>
-                  </a:outerShdw>
-                </a:effectLst>
-              </a14:hiddenEffects>
-            </a:ext>
-          </a:extLst>
-        </p:spPr>
-      </p:pic>
     </p:spTree>
     <p:extLst>
       <p:ext uri="{BB962C8B-B14F-4D97-AF65-F5344CB8AC3E}">
@@ -5283,7 +5540,7 @@
           <p:cNvPr id="4" name="Content Placeholder 2">
             <a:extLst>
               <a:ext uri="{FF2B5EF4-FFF2-40B4-BE49-F238E27FC236}">
-                <a16:creationId xmlns:a16="http://schemas.microsoft.com/office/drawing/2014/main" xmlns="" id="{56A9B03C-F91B-4FD9-980C-863EB95CF1EA}"/>
+                <a16:creationId xmlns="" xmlns:a16="http://schemas.microsoft.com/office/drawing/2014/main" id="{56A9B03C-F91B-4FD9-980C-863EB95CF1EA}"/>
               </a:ext>
             </a:extLst>
           </p:cNvPr>
@@ -5675,7 +5932,7 @@
           <p:cNvPr id="2" name="Title 1">
             <a:extLst>
               <a:ext uri="{FF2B5EF4-FFF2-40B4-BE49-F238E27FC236}">
-                <a16:creationId xmlns:a16="http://schemas.microsoft.com/office/drawing/2014/main" xmlns="" id="{7E3AD969-B114-4A9D-8171-0EBD5D5EA5FE}"/>
+                <a16:creationId xmlns="" xmlns:a16="http://schemas.microsoft.com/office/drawing/2014/main" id="{7E3AD969-B114-4A9D-8171-0EBD5D5EA5FE}"/>
               </a:ext>
             </a:extLst>
           </p:cNvPr>
@@ -5703,7 +5960,7 @@
           <p:cNvPr id="3" name="Content Placeholder 2">
             <a:extLst>
               <a:ext uri="{FF2B5EF4-FFF2-40B4-BE49-F238E27FC236}">
-                <a16:creationId xmlns:a16="http://schemas.microsoft.com/office/drawing/2014/main" xmlns="" id="{F995519C-8D06-4ACF-B79A-36665DD0E473}"/>
+                <a16:creationId xmlns="" xmlns:a16="http://schemas.microsoft.com/office/drawing/2014/main" id="{F995519C-8D06-4ACF-B79A-36665DD0E473}"/>
               </a:ext>
             </a:extLst>
           </p:cNvPr>
@@ -5779,7 +6036,7 @@
           <p:cNvPr id="2" name="Title 1">
             <a:extLst>
               <a:ext uri="{FF2B5EF4-FFF2-40B4-BE49-F238E27FC236}">
-                <a16:creationId xmlns:a16="http://schemas.microsoft.com/office/drawing/2014/main" xmlns="" id="{68DA8020-99A4-463C-8C97-D51395EDEFD5}"/>
+                <a16:creationId xmlns="" xmlns:a16="http://schemas.microsoft.com/office/drawing/2014/main" id="{68DA8020-99A4-463C-8C97-D51395EDEFD5}"/>
               </a:ext>
             </a:extLst>
           </p:cNvPr>
@@ -5809,7 +6066,7 @@
               <p:cNvPr id="3" name="Content Placeholder 2">
                 <a:extLst>
                   <a:ext uri="{FF2B5EF4-FFF2-40B4-BE49-F238E27FC236}">
-                    <a16:creationId xmlns:a16="http://schemas.microsoft.com/office/drawing/2014/main" xmlns="" id="{146C8AE3-5F9D-4A50-90E5-86A1696DC78E}"/>
+                    <a16:creationId xmlns="" xmlns:a16="http://schemas.microsoft.com/office/drawing/2014/main" id="{146C8AE3-5F9D-4A50-90E5-86A1696DC78E}"/>
                   </a:ext>
                 </a:extLst>
               </p:cNvPr>
@@ -6269,7 +6526,7 @@
           <p:cNvPr id="2" name="Title 1">
             <a:extLst>
               <a:ext uri="{FF2B5EF4-FFF2-40B4-BE49-F238E27FC236}">
-                <a16:creationId xmlns:a16="http://schemas.microsoft.com/office/drawing/2014/main" xmlns="" id="{68DA8020-99A4-463C-8C97-D51395EDEFD5}"/>
+                <a16:creationId xmlns="" xmlns:a16="http://schemas.microsoft.com/office/drawing/2014/main" id="{68DA8020-99A4-463C-8C97-D51395EDEFD5}"/>
               </a:ext>
             </a:extLst>
           </p:cNvPr>
@@ -6297,7 +6554,7 @@
           <p:cNvPr id="3" name="Content Placeholder 2">
             <a:extLst>
               <a:ext uri="{FF2B5EF4-FFF2-40B4-BE49-F238E27FC236}">
-                <a16:creationId xmlns:a16="http://schemas.microsoft.com/office/drawing/2014/main" xmlns="" id="{146C8AE3-5F9D-4A50-90E5-86A1696DC78E}"/>
+                <a16:creationId xmlns="" xmlns:a16="http://schemas.microsoft.com/office/drawing/2014/main" id="{146C8AE3-5F9D-4A50-90E5-86A1696DC78E}"/>
               </a:ext>
             </a:extLst>
           </p:cNvPr>
@@ -6462,7 +6719,7 @@
           <p:cNvPr id="2" name="Title 1">
             <a:extLst>
               <a:ext uri="{FF2B5EF4-FFF2-40B4-BE49-F238E27FC236}">
-                <a16:creationId xmlns:a16="http://schemas.microsoft.com/office/drawing/2014/main" xmlns="" id="{F3E5901B-5854-4AFF-A199-0918CFB41A0A}"/>
+                <a16:creationId xmlns="" xmlns:a16="http://schemas.microsoft.com/office/drawing/2014/main" id="{F3E5901B-5854-4AFF-A199-0918CFB41A0A}"/>
               </a:ext>
             </a:extLst>
           </p:cNvPr>
@@ -6491,7 +6748,7 @@
           <p:cNvPr id="3" name="Content Placeholder 2">
             <a:extLst>
               <a:ext uri="{FF2B5EF4-FFF2-40B4-BE49-F238E27FC236}">
-                <a16:creationId xmlns:a16="http://schemas.microsoft.com/office/drawing/2014/main" xmlns="" id="{39EED756-37A5-4FB5-B271-BB7C39F2B5A0}"/>
+                <a16:creationId xmlns="" xmlns:a16="http://schemas.microsoft.com/office/drawing/2014/main" id="{39EED756-37A5-4FB5-B271-BB7C39F2B5A0}"/>
               </a:ext>
             </a:extLst>
           </p:cNvPr>
@@ -6642,7 +6899,7 @@
           <p:cNvPr id="2" name="Title 1">
             <a:extLst>
               <a:ext uri="{FF2B5EF4-FFF2-40B4-BE49-F238E27FC236}">
-                <a16:creationId xmlns:a16="http://schemas.microsoft.com/office/drawing/2014/main" xmlns="" id="{F3E5901B-5854-4AFF-A199-0918CFB41A0A}"/>
+                <a16:creationId xmlns="" xmlns:a16="http://schemas.microsoft.com/office/drawing/2014/main" id="{F3E5901B-5854-4AFF-A199-0918CFB41A0A}"/>
               </a:ext>
             </a:extLst>
           </p:cNvPr>
@@ -6670,7 +6927,7 @@
           <p:cNvPr id="3" name="Content Placeholder 2">
             <a:extLst>
               <a:ext uri="{FF2B5EF4-FFF2-40B4-BE49-F238E27FC236}">
-                <a16:creationId xmlns:a16="http://schemas.microsoft.com/office/drawing/2014/main" xmlns="" id="{39EED756-37A5-4FB5-B271-BB7C39F2B5A0}"/>
+                <a16:creationId xmlns="" xmlns:a16="http://schemas.microsoft.com/office/drawing/2014/main" id="{39EED756-37A5-4FB5-B271-BB7C39F2B5A0}"/>
               </a:ext>
             </a:extLst>
           </p:cNvPr>
